--- a/files/Session_8_Ibrahim3zazy/Tasks/Searches/difference between DROP, TRUNCATE, DELETE.pptx
+++ b/files/Session_8_Ibrahim3zazy/Tasks/Searches/difference between DROP, TRUNCATE, DELETE.pptx
@@ -106,6 +106,11 @@
       </a:defRPr>
     </a:lvl9pPr>
   </p:defaultTextStyle>
+  <p:extLst>
+    <p:ext uri="{EFAFB233-063F-42B5-8137-9DF3F51BA10A}">
+      <p15:sldGuideLst xmlns:p15="http://schemas.microsoft.com/office/powerpoint/2012/main"/>
+    </p:ext>
+  </p:extLst>
 </p:presentation>
 </file>
 
@@ -256,7 +261,7 @@
           <a:p>
             <a:fld id="{A85EE0F3-F092-427D-A36C-2DB87EBD6FA5}" type="datetimeFigureOut">
               <a:rPr lang="en-US" smtClean="0"/>
-              <a:t>2024-04-06</a:t>
+              <a:t>2024-04-12</a:t>
             </a:fld>
             <a:endParaRPr lang="en-US"/>
           </a:p>
@@ -326,13 +331,13 @@
   <p:clrMapOvr>
     <a:masterClrMapping/>
   </p:clrMapOvr>
-  <mc:AlternateContent xmlns:mc="http://schemas.openxmlformats.org/markup-compatibility/2006">
-    <mc:Choice xmlns:p14="http://schemas.microsoft.com/office/powerpoint/2010/main" Requires="p14">
+  <mc:AlternateContent xmlns:mc="http://schemas.openxmlformats.org/markup-compatibility/2006" xmlns:p14="http://schemas.microsoft.com/office/powerpoint/2010/main">
+    <mc:Choice Requires="p14">
       <p:transition spd="slow" p14:dur="1500">
         <p:random/>
       </p:transition>
     </mc:Choice>
-    <mc:Fallback>
+    <mc:Fallback xmlns="">
       <p:transition spd="slow">
         <p:random/>
       </p:transition>
@@ -466,7 +471,7 @@
           <a:p>
             <a:fld id="{A85EE0F3-F092-427D-A36C-2DB87EBD6FA5}" type="datetimeFigureOut">
               <a:rPr lang="en-US" smtClean="0"/>
-              <a:t>2024-04-06</a:t>
+              <a:t>2024-04-12</a:t>
             </a:fld>
             <a:endParaRPr lang="en-US"/>
           </a:p>
@@ -536,13 +541,13 @@
   <p:clrMapOvr>
     <a:masterClrMapping/>
   </p:clrMapOvr>
-  <mc:AlternateContent xmlns:mc="http://schemas.openxmlformats.org/markup-compatibility/2006">
-    <mc:Choice xmlns:p14="http://schemas.microsoft.com/office/powerpoint/2010/main" Requires="p14">
+  <mc:AlternateContent xmlns:mc="http://schemas.openxmlformats.org/markup-compatibility/2006" xmlns:p14="http://schemas.microsoft.com/office/powerpoint/2010/main">
+    <mc:Choice Requires="p14">
       <p:transition spd="slow" p14:dur="1500">
         <p:random/>
       </p:transition>
     </mc:Choice>
-    <mc:Fallback>
+    <mc:Fallback xmlns="">
       <p:transition spd="slow">
         <p:random/>
       </p:transition>
@@ -686,7 +691,7 @@
           <a:p>
             <a:fld id="{A85EE0F3-F092-427D-A36C-2DB87EBD6FA5}" type="datetimeFigureOut">
               <a:rPr lang="en-US" smtClean="0"/>
-              <a:t>2024-04-06</a:t>
+              <a:t>2024-04-12</a:t>
             </a:fld>
             <a:endParaRPr lang="en-US"/>
           </a:p>
@@ -756,13 +761,13 @@
   <p:clrMapOvr>
     <a:masterClrMapping/>
   </p:clrMapOvr>
-  <mc:AlternateContent xmlns:mc="http://schemas.openxmlformats.org/markup-compatibility/2006">
-    <mc:Choice xmlns:p14="http://schemas.microsoft.com/office/powerpoint/2010/main" Requires="p14">
+  <mc:AlternateContent xmlns:mc="http://schemas.openxmlformats.org/markup-compatibility/2006" xmlns:p14="http://schemas.microsoft.com/office/powerpoint/2010/main">
+    <mc:Choice Requires="p14">
       <p:transition spd="slow" p14:dur="1500">
         <p:random/>
       </p:transition>
     </mc:Choice>
-    <mc:Fallback>
+    <mc:Fallback xmlns="">
       <p:transition spd="slow">
         <p:random/>
       </p:transition>
@@ -896,7 +901,7 @@
           <a:p>
             <a:fld id="{A85EE0F3-F092-427D-A36C-2DB87EBD6FA5}" type="datetimeFigureOut">
               <a:rPr lang="en-US" smtClean="0"/>
-              <a:t>2024-04-06</a:t>
+              <a:t>2024-04-12</a:t>
             </a:fld>
             <a:endParaRPr lang="en-US"/>
           </a:p>
@@ -966,13 +971,13 @@
   <p:clrMapOvr>
     <a:masterClrMapping/>
   </p:clrMapOvr>
-  <mc:AlternateContent xmlns:mc="http://schemas.openxmlformats.org/markup-compatibility/2006">
-    <mc:Choice xmlns:p14="http://schemas.microsoft.com/office/powerpoint/2010/main" Requires="p14">
+  <mc:AlternateContent xmlns:mc="http://schemas.openxmlformats.org/markup-compatibility/2006" xmlns:p14="http://schemas.microsoft.com/office/powerpoint/2010/main">
+    <mc:Choice Requires="p14">
       <p:transition spd="slow" p14:dur="1500">
         <p:random/>
       </p:transition>
     </mc:Choice>
-    <mc:Fallback>
+    <mc:Fallback xmlns="">
       <p:transition spd="slow">
         <p:random/>
       </p:transition>
@@ -1183,7 +1188,7 @@
           <a:p>
             <a:fld id="{A85EE0F3-F092-427D-A36C-2DB87EBD6FA5}" type="datetimeFigureOut">
               <a:rPr lang="en-US" smtClean="0"/>
-              <a:t>2024-04-06</a:t>
+              <a:t>2024-04-12</a:t>
             </a:fld>
             <a:endParaRPr lang="en-US"/>
           </a:p>
@@ -1253,13 +1258,13 @@
   <p:clrMapOvr>
     <a:masterClrMapping/>
   </p:clrMapOvr>
-  <mc:AlternateContent xmlns:mc="http://schemas.openxmlformats.org/markup-compatibility/2006">
-    <mc:Choice xmlns:p14="http://schemas.microsoft.com/office/powerpoint/2010/main" Requires="p14">
+  <mc:AlternateContent xmlns:mc="http://schemas.openxmlformats.org/markup-compatibility/2006" xmlns:p14="http://schemas.microsoft.com/office/powerpoint/2010/main">
+    <mc:Choice Requires="p14">
       <p:transition spd="slow" p14:dur="1500">
         <p:random/>
       </p:transition>
     </mc:Choice>
-    <mc:Fallback>
+    <mc:Fallback xmlns="">
       <p:transition spd="slow">
         <p:random/>
       </p:transition>
@@ -1460,7 +1465,7 @@
           <a:p>
             <a:fld id="{A85EE0F3-F092-427D-A36C-2DB87EBD6FA5}" type="datetimeFigureOut">
               <a:rPr lang="en-US" smtClean="0"/>
-              <a:t>2024-04-06</a:t>
+              <a:t>2024-04-12</a:t>
             </a:fld>
             <a:endParaRPr lang="en-US"/>
           </a:p>
@@ -1530,13 +1535,13 @@
   <p:clrMapOvr>
     <a:masterClrMapping/>
   </p:clrMapOvr>
-  <mc:AlternateContent xmlns:mc="http://schemas.openxmlformats.org/markup-compatibility/2006">
-    <mc:Choice xmlns:p14="http://schemas.microsoft.com/office/powerpoint/2010/main" Requires="p14">
+  <mc:AlternateContent xmlns:mc="http://schemas.openxmlformats.org/markup-compatibility/2006" xmlns:p14="http://schemas.microsoft.com/office/powerpoint/2010/main">
+    <mc:Choice Requires="p14">
       <p:transition spd="slow" p14:dur="1500">
         <p:random/>
       </p:transition>
     </mc:Choice>
-    <mc:Fallback>
+    <mc:Fallback xmlns="">
       <p:transition spd="slow">
         <p:random/>
       </p:transition>
@@ -1884,7 +1889,7 @@
           <a:p>
             <a:fld id="{A85EE0F3-F092-427D-A36C-2DB87EBD6FA5}" type="datetimeFigureOut">
               <a:rPr lang="en-US" smtClean="0"/>
-              <a:t>2024-04-06</a:t>
+              <a:t>2024-04-12</a:t>
             </a:fld>
             <a:endParaRPr lang="en-US"/>
           </a:p>
@@ -1954,13 +1959,13 @@
   <p:clrMapOvr>
     <a:masterClrMapping/>
   </p:clrMapOvr>
-  <mc:AlternateContent xmlns:mc="http://schemas.openxmlformats.org/markup-compatibility/2006">
-    <mc:Choice xmlns:p14="http://schemas.microsoft.com/office/powerpoint/2010/main" Requires="p14">
+  <mc:AlternateContent xmlns:mc="http://schemas.openxmlformats.org/markup-compatibility/2006" xmlns:p14="http://schemas.microsoft.com/office/powerpoint/2010/main">
+    <mc:Choice Requires="p14">
       <p:transition spd="slow" p14:dur="1500">
         <p:random/>
       </p:transition>
     </mc:Choice>
-    <mc:Fallback>
+    <mc:Fallback xmlns="">
       <p:transition spd="slow">
         <p:random/>
       </p:transition>
@@ -2037,7 +2042,7 @@
           <a:p>
             <a:fld id="{A85EE0F3-F092-427D-A36C-2DB87EBD6FA5}" type="datetimeFigureOut">
               <a:rPr lang="en-US" smtClean="0"/>
-              <a:t>2024-04-06</a:t>
+              <a:t>2024-04-12</a:t>
             </a:fld>
             <a:endParaRPr lang="en-US"/>
           </a:p>
@@ -2107,13 +2112,13 @@
   <p:clrMapOvr>
     <a:masterClrMapping/>
   </p:clrMapOvr>
-  <mc:AlternateContent xmlns:mc="http://schemas.openxmlformats.org/markup-compatibility/2006">
-    <mc:Choice xmlns:p14="http://schemas.microsoft.com/office/powerpoint/2010/main" Requires="p14">
+  <mc:AlternateContent xmlns:mc="http://schemas.openxmlformats.org/markup-compatibility/2006" xmlns:p14="http://schemas.microsoft.com/office/powerpoint/2010/main">
+    <mc:Choice Requires="p14">
       <p:transition spd="slow" p14:dur="1500">
         <p:random/>
       </p:transition>
     </mc:Choice>
-    <mc:Fallback>
+    <mc:Fallback xmlns="">
       <p:transition spd="slow">
         <p:random/>
       </p:transition>
@@ -2162,7 +2167,7 @@
           <a:p>
             <a:fld id="{A85EE0F3-F092-427D-A36C-2DB87EBD6FA5}" type="datetimeFigureOut">
               <a:rPr lang="en-US" smtClean="0"/>
-              <a:t>2024-04-06</a:t>
+              <a:t>2024-04-12</a:t>
             </a:fld>
             <a:endParaRPr lang="en-US"/>
           </a:p>
@@ -2232,13 +2237,13 @@
   <p:clrMapOvr>
     <a:masterClrMapping/>
   </p:clrMapOvr>
-  <mc:AlternateContent xmlns:mc="http://schemas.openxmlformats.org/markup-compatibility/2006">
-    <mc:Choice xmlns:p14="http://schemas.microsoft.com/office/powerpoint/2010/main" Requires="p14">
+  <mc:AlternateContent xmlns:mc="http://schemas.openxmlformats.org/markup-compatibility/2006" xmlns:p14="http://schemas.microsoft.com/office/powerpoint/2010/main">
+    <mc:Choice Requires="p14">
       <p:transition spd="slow" p14:dur="1500">
         <p:random/>
       </p:transition>
     </mc:Choice>
-    <mc:Fallback>
+    <mc:Fallback xmlns="">
       <p:transition spd="slow">
         <p:random/>
       </p:transition>
@@ -2485,7 +2490,7 @@
           <a:p>
             <a:fld id="{A85EE0F3-F092-427D-A36C-2DB87EBD6FA5}" type="datetimeFigureOut">
               <a:rPr lang="en-US" smtClean="0"/>
-              <a:t>2024-04-06</a:t>
+              <a:t>2024-04-12</a:t>
             </a:fld>
             <a:endParaRPr lang="en-US"/>
           </a:p>
@@ -2555,13 +2560,13 @@
   <p:clrMapOvr>
     <a:masterClrMapping/>
   </p:clrMapOvr>
-  <mc:AlternateContent xmlns:mc="http://schemas.openxmlformats.org/markup-compatibility/2006">
-    <mc:Choice xmlns:p14="http://schemas.microsoft.com/office/powerpoint/2010/main" Requires="p14">
+  <mc:AlternateContent xmlns:mc="http://schemas.openxmlformats.org/markup-compatibility/2006" xmlns:p14="http://schemas.microsoft.com/office/powerpoint/2010/main">
+    <mc:Choice Requires="p14">
       <p:transition spd="slow" p14:dur="1500">
         <p:random/>
       </p:transition>
     </mc:Choice>
-    <mc:Fallback>
+    <mc:Fallback xmlns="">
       <p:transition spd="slow">
         <p:random/>
       </p:transition>
@@ -2785,7 +2790,7 @@
           <a:p>
             <a:fld id="{A85EE0F3-F092-427D-A36C-2DB87EBD6FA5}" type="datetimeFigureOut">
               <a:rPr lang="en-US" smtClean="0"/>
-              <a:t>2024-04-06</a:t>
+              <a:t>2024-04-12</a:t>
             </a:fld>
             <a:endParaRPr lang="en-US"/>
           </a:p>
@@ -2855,13 +2860,13 @@
   <p:clrMapOvr>
     <a:masterClrMapping/>
   </p:clrMapOvr>
-  <mc:AlternateContent xmlns:mc="http://schemas.openxmlformats.org/markup-compatibility/2006">
-    <mc:Choice xmlns:p14="http://schemas.microsoft.com/office/powerpoint/2010/main" Requires="p14">
+  <mc:AlternateContent xmlns:mc="http://schemas.openxmlformats.org/markup-compatibility/2006" xmlns:p14="http://schemas.microsoft.com/office/powerpoint/2010/main">
+    <mc:Choice Requires="p14">
       <p:transition spd="slow" p14:dur="1500">
         <p:random/>
       </p:transition>
     </mc:Choice>
-    <mc:Fallback>
+    <mc:Fallback xmlns="">
       <p:transition spd="slow">
         <p:random/>
       </p:transition>
@@ -3038,7 +3043,7 @@
           <a:p>
             <a:fld id="{A85EE0F3-F092-427D-A36C-2DB87EBD6FA5}" type="datetimeFigureOut">
               <a:rPr lang="en-US" smtClean="0"/>
-              <a:t>2024-04-06</a:t>
+              <a:t>2024-04-12</a:t>
             </a:fld>
             <a:endParaRPr lang="en-US"/>
           </a:p>
@@ -3155,13 +3160,13 @@
     <p:sldLayoutId id="2147483658" r:id="rId10"/>
     <p:sldLayoutId id="2147483659" r:id="rId11"/>
   </p:sldLayoutIdLst>
-  <mc:AlternateContent xmlns:mc="http://schemas.openxmlformats.org/markup-compatibility/2006">
-    <mc:Choice xmlns:p14="http://schemas.microsoft.com/office/powerpoint/2010/main" Requires="p14">
+  <mc:AlternateContent xmlns:mc="http://schemas.openxmlformats.org/markup-compatibility/2006" xmlns:p14="http://schemas.microsoft.com/office/powerpoint/2010/main">
+    <mc:Choice Requires="p14">
       <p:transition spd="slow" p14:dur="1500">
         <p:random/>
       </p:transition>
     </mc:Choice>
-    <mc:Fallback>
+    <mc:Fallback xmlns="">
       <p:transition spd="slow">
         <p:random/>
       </p:transition>
@@ -3496,8 +3501,8 @@
           <a:lstStyle/>
           <a:p>
             <a:r>
-              <a:rPr lang="en-US" dirty="0"/>
-              <a:t>authorization vs authentication</a:t>
+              <a:rPr lang="en-US" sz="4000" dirty="0"/>
+              <a:t>difference between DROP, TRUNCATE, DELETE</a:t>
             </a:r>
           </a:p>
         </p:txBody>
@@ -3512,13 +3517,13 @@
   <p:clrMapOvr>
     <a:masterClrMapping/>
   </p:clrMapOvr>
-  <mc:AlternateContent xmlns:mc="http://schemas.openxmlformats.org/markup-compatibility/2006">
-    <mc:Choice xmlns:p14="http://schemas.microsoft.com/office/powerpoint/2010/main" Requires="p14">
+  <mc:AlternateContent xmlns:mc="http://schemas.openxmlformats.org/markup-compatibility/2006" xmlns:p14="http://schemas.microsoft.com/office/powerpoint/2010/main">
+    <mc:Choice Requires="p14">
       <p:transition spd="slow" p14:dur="1500">
         <p:random/>
       </p:transition>
     </mc:Choice>
-    <mc:Fallback>
+    <mc:Fallback xmlns="">
       <p:transition spd="slow">
         <p:random/>
       </p:transition>
@@ -3562,8 +3567,8 @@
         </p:nvSpPr>
         <p:spPr>
           <a:xfrm>
-            <a:off x="938213" y="256381"/>
-            <a:ext cx="5157787" cy="823912"/>
+            <a:off x="787250" y="269571"/>
+            <a:ext cx="3716656" cy="823912"/>
           </a:xfrm>
         </p:spPr>
         <p:txBody>
@@ -3572,7 +3577,7 @@
           <a:p>
             <a:r>
               <a:rPr lang="en-US" dirty="0"/>
-              <a:t>authentication</a:t>
+              <a:t>delete</a:t>
             </a:r>
           </a:p>
         </p:txBody>
@@ -3596,168 +3601,41 @@
         <p:spPr>
           <a:xfrm>
             <a:off x="651754" y="1080293"/>
-            <a:ext cx="5345822" cy="5109370"/>
+            <a:ext cx="3852152" cy="5109370"/>
           </a:xfrm>
         </p:spPr>
         <p:txBody>
           <a:bodyPr>
-            <a:normAutofit fontScale="85000" lnSpcReduction="20000"/>
+            <a:normAutofit/>
           </a:bodyPr>
           <a:lstStyle/>
           <a:p>
             <a:pPr algn="r" rtl="1"/>
             <a:r>
+              <a:rPr lang="ar-EG" dirty="0"/>
+              <a:t>هو امر </a:t>
+            </a:r>
+            <a:r>
               <a:rPr lang="ar-EG" dirty="0" err="1"/>
-              <a:t>بإختصار</a:t>
+              <a:t>بيستخدم</a:t>
             </a:r>
             <a:r>
               <a:rPr lang="ar-EG" dirty="0"/>
-              <a:t> أكني بقول للمستخدم انت مين ففيه انا بتحقق من المستخدم دا إذا كان من ضمن السيستم </a:t>
+              <a:t> في التعامل مع البيانات </a:t>
             </a:r>
             <a:r>
               <a:rPr lang="ar-EG" dirty="0" err="1"/>
-              <a:t>بتاعي</a:t>
+              <a:t>بيحذف</a:t>
             </a:r>
             <a:r>
               <a:rPr lang="ar-EG" dirty="0"/>
-              <a:t> او لا </a:t>
-            </a:r>
-          </a:p>
-          <a:p>
-            <a:pPr algn="r" rtl="1"/>
-            <a:r>
-              <a:rPr lang="ar-EG" dirty="0"/>
-              <a:t>في </a:t>
-            </a:r>
-            <a:r>
-              <a:rPr lang="ar-EG" dirty="0" err="1"/>
-              <a:t>العاده</a:t>
-            </a:r>
-            <a:r>
-              <a:rPr lang="ar-EG" dirty="0"/>
-              <a:t> </a:t>
-            </a:r>
-            <a:r>
-              <a:rPr lang="ar-EG" dirty="0" err="1"/>
-              <a:t>بتحصل</a:t>
-            </a:r>
-            <a:r>
-              <a:rPr lang="ar-EG" dirty="0"/>
-              <a:t> قبل عملية </a:t>
-            </a:r>
-            <a:r>
-              <a:rPr lang="en-US" sz="2000" dirty="0"/>
-              <a:t>authorization</a:t>
-            </a:r>
-            <a:endParaRPr lang="ar-EG" sz="2000" dirty="0"/>
-          </a:p>
-          <a:p>
-            <a:pPr algn="r" rtl="1"/>
-            <a:r>
-              <a:rPr lang="ar-EG" dirty="0"/>
-              <a:t>في </a:t>
-            </a:r>
-            <a:r>
-              <a:rPr lang="ar-EG" dirty="0" err="1"/>
-              <a:t>العاده</a:t>
-            </a:r>
-            <a:r>
-              <a:rPr lang="ar-EG" dirty="0"/>
-              <a:t> </a:t>
-            </a:r>
-            <a:r>
-              <a:rPr lang="ar-EG" dirty="0" err="1"/>
-              <a:t>بحتاج</a:t>
-            </a:r>
-            <a:r>
-              <a:rPr lang="ar-EG" dirty="0"/>
-              <a:t> فيها معلومات تسجيل الدخول </a:t>
-            </a:r>
-            <a:r>
-              <a:rPr lang="ar-EG" dirty="0" err="1"/>
-              <a:t>الخاصه</a:t>
-            </a:r>
-            <a:r>
-              <a:rPr lang="ar-EG" dirty="0"/>
-              <a:t> بالمستخدم علشان اتحقق منه</a:t>
-            </a:r>
-          </a:p>
-          <a:p>
-            <a:pPr algn="r" rtl="1"/>
-            <a:r>
-              <a:rPr lang="ar-EG" dirty="0"/>
-              <a:t>ممكن اغير في المعلومات </a:t>
-            </a:r>
-            <a:r>
-              <a:rPr lang="ar-EG" dirty="0" err="1"/>
-              <a:t>الخاصه</a:t>
-            </a:r>
-            <a:r>
-              <a:rPr lang="ar-EG" dirty="0"/>
-              <a:t> </a:t>
-            </a:r>
-            <a:r>
-              <a:rPr lang="ar-EG" dirty="0" err="1"/>
-              <a:t>بيا</a:t>
-            </a:r>
-            <a:r>
-              <a:rPr lang="ar-EG" dirty="0"/>
-              <a:t> كمستخدم عادي او اطلب تغييرها عموما</a:t>
-            </a:r>
-          </a:p>
-          <a:p>
-            <a:pPr algn="r" rtl="1"/>
-            <a:r>
-              <a:rPr lang="ar-EG" dirty="0"/>
-              <a:t>ممكن اشوف </a:t>
-            </a:r>
-            <a:r>
-              <a:rPr lang="ar-EG" dirty="0" err="1"/>
-              <a:t>العمليه</a:t>
-            </a:r>
-            <a:r>
-              <a:rPr lang="ar-EG" dirty="0"/>
-              <a:t> دي بحيث اقدر اطلع على المعلومات </a:t>
-            </a:r>
-            <a:r>
-              <a:rPr lang="ar-EG" dirty="0" err="1"/>
-              <a:t>بتاعتي</a:t>
+              <a:t> محتويات صف معين من الجدول في الداتا بيس مثلا عند </a:t>
+            </a:r>
+            <a:r>
+              <a:rPr lang="ar-EG"/>
+              <a:t>شرط معين او محتويات الجدول كله</a:t>
             </a:r>
             <a:endParaRPr lang="ar-EG" dirty="0"/>
-          </a:p>
-          <a:p>
-            <a:pPr algn="r" rtl="1"/>
-            <a:r>
-              <a:rPr lang="ar-EG" b="1" dirty="0" err="1"/>
-              <a:t>نيجي</a:t>
-            </a:r>
-            <a:r>
-              <a:rPr lang="ar-EG" b="1" dirty="0"/>
-              <a:t> للمثال بقاا:</a:t>
-            </a:r>
-            <a:br>
-              <a:rPr lang="ar-EG" dirty="0"/>
-            </a:br>
-            <a:r>
-              <a:rPr lang="ar-EG" dirty="0"/>
-              <a:t>بطلب من الموظفين مثلا انهم يعملوا تسجيل دخول فبالتالي يحصل عملية </a:t>
-            </a:r>
-            <a:r>
-              <a:rPr lang="ar-EG" dirty="0" err="1"/>
-              <a:t>المصادقه</a:t>
-            </a:r>
-            <a:r>
-              <a:rPr lang="ar-EG" dirty="0"/>
-              <a:t> </a:t>
-            </a:r>
-            <a:r>
-              <a:rPr lang="ar-EG" dirty="0" err="1"/>
-              <a:t>بتاعتنا</a:t>
-            </a:r>
-            <a:r>
-              <a:rPr lang="ar-EG" dirty="0"/>
-              <a:t> لو المعلومات اللي داخلها صحيحه من اسم المستخدم لكلمة المرور مثلا او بصمة الصباع وهكذا</a:t>
-            </a:r>
           </a:p>
         </p:txBody>
       </p:sp>
@@ -3779,8 +3657,8 @@
         </p:nvSpPr>
         <p:spPr>
           <a:xfrm>
-            <a:off x="6070599" y="256381"/>
-            <a:ext cx="5183188" cy="823912"/>
+            <a:off x="4639402" y="273556"/>
+            <a:ext cx="3734959" cy="823912"/>
           </a:xfrm>
         </p:spPr>
         <p:txBody>
@@ -3789,7 +3667,7 @@
           <a:p>
             <a:r>
               <a:rPr lang="en-US" dirty="0"/>
-              <a:t>authorization</a:t>
+              <a:t>drop</a:t>
             </a:r>
           </a:p>
         </p:txBody>
@@ -3812,179 +3690,672 @@
         </p:nvSpPr>
         <p:spPr>
           <a:xfrm>
-            <a:off x="6172200" y="1080294"/>
-            <a:ext cx="5183188" cy="5109370"/>
+            <a:off x="4639402" y="1093483"/>
+            <a:ext cx="3734959" cy="5109370"/>
           </a:xfrm>
         </p:spPr>
         <p:txBody>
           <a:bodyPr>
-            <a:normAutofit fontScale="85000" lnSpcReduction="20000"/>
+            <a:normAutofit/>
           </a:bodyPr>
           <a:lstStyle/>
           <a:p>
             <a:pPr algn="r" rtl="1"/>
             <a:r>
+              <a:rPr lang="ar-EG" dirty="0"/>
+              <a:t>هو امر </a:t>
+            </a:r>
+            <a:r>
               <a:rPr lang="ar-EG" dirty="0" err="1"/>
-              <a:t>بإختصار</a:t>
+              <a:t>بيستخدم</a:t>
             </a:r>
             <a:r>
               <a:rPr lang="ar-EG" dirty="0"/>
-              <a:t> فيه أكني بقول للمستخدم ايه هي الصلاحيات اللي عندك في السيستم دا يعني ليك مثلا تدخل على صفحه </a:t>
+              <a:t> مع الجداول </a:t>
             </a:r>
             <a:r>
               <a:rPr lang="ar-EG" dirty="0" err="1"/>
-              <a:t>الفلانيه</a:t>
+              <a:t>وبيحذف</a:t>
             </a:r>
             <a:r>
               <a:rPr lang="ar-EG" dirty="0"/>
-              <a:t> ولا لا وهكذا</a:t>
-            </a:r>
-          </a:p>
+              <a:t> محتويات الجدول كامل مع بنيته يعني مش </a:t>
+            </a:r>
+            <a:r>
+              <a:rPr lang="ar-EG" dirty="0" err="1"/>
+              <a:t>بيسيب</a:t>
+            </a:r>
+            <a:r>
+              <a:rPr lang="ar-EG" dirty="0"/>
+              <a:t> منه حاجه</a:t>
+            </a:r>
+          </a:p>
+        </p:txBody>
+      </p:sp>
+      <p:sp>
+        <p:nvSpPr>
+          <p:cNvPr id="27" name="Text Placeholder 5">
+            <a:extLst>
+              <a:ext uri="{FF2B5EF4-FFF2-40B4-BE49-F238E27FC236}">
+                <a16:creationId xmlns:a16="http://schemas.microsoft.com/office/drawing/2014/main" id="{156B73DE-1CE9-70D5-299B-50D18E3D9E4D}"/>
+              </a:ext>
+            </a:extLst>
+          </p:cNvPr>
+          <p:cNvSpPr txBox="1">
+            <a:spLocks/>
+          </p:cNvSpPr>
+          <p:nvPr/>
+        </p:nvSpPr>
+        <p:spPr>
+          <a:xfrm>
+            <a:off x="8362788" y="243191"/>
+            <a:ext cx="3734959" cy="823912"/>
+          </a:xfrm>
+          <a:prstGeom prst="rect">
+            <a:avLst/>
+          </a:prstGeom>
+        </p:spPr>
+        <p:txBody>
+          <a:bodyPr vert="horz" lIns="91440" tIns="45720" rIns="91440" bIns="45720" rtlCol="0" anchor="b">
+            <a:normAutofit/>
+          </a:bodyPr>
+          <a:lstStyle>
+            <a:lvl1pPr marL="0" indent="0" algn="l" defTabSz="914400" rtl="0" eaLnBrk="1" latinLnBrk="0" hangingPunct="1">
+              <a:lnSpc>
+                <a:spcPct val="90000"/>
+              </a:lnSpc>
+              <a:spcBef>
+                <a:spcPts val="1000"/>
+              </a:spcBef>
+              <a:buFont typeface="Arial" panose="020B0604020202020204" pitchFamily="34" charset="0"/>
+              <a:buNone/>
+              <a:defRPr sz="2400" b="1" kern="1200">
+                <a:solidFill>
+                  <a:schemeClr val="tx1"/>
+                </a:solidFill>
+                <a:latin typeface="+mn-lt"/>
+                <a:ea typeface="+mn-ea"/>
+                <a:cs typeface="+mn-cs"/>
+              </a:defRPr>
+            </a:lvl1pPr>
+            <a:lvl2pPr marL="457200" indent="0" algn="l" defTabSz="914400" rtl="0" eaLnBrk="1" latinLnBrk="0" hangingPunct="1">
+              <a:lnSpc>
+                <a:spcPct val="90000"/>
+              </a:lnSpc>
+              <a:spcBef>
+                <a:spcPts val="500"/>
+              </a:spcBef>
+              <a:buFont typeface="Arial" panose="020B0604020202020204" pitchFamily="34" charset="0"/>
+              <a:buNone/>
+              <a:defRPr sz="2000" b="1" kern="1200">
+                <a:solidFill>
+                  <a:schemeClr val="tx1"/>
+                </a:solidFill>
+                <a:latin typeface="+mn-lt"/>
+                <a:ea typeface="+mn-ea"/>
+                <a:cs typeface="+mn-cs"/>
+              </a:defRPr>
+            </a:lvl2pPr>
+            <a:lvl3pPr marL="914400" indent="0" algn="l" defTabSz="914400" rtl="0" eaLnBrk="1" latinLnBrk="0" hangingPunct="1">
+              <a:lnSpc>
+                <a:spcPct val="90000"/>
+              </a:lnSpc>
+              <a:spcBef>
+                <a:spcPts val="500"/>
+              </a:spcBef>
+              <a:buFont typeface="Arial" panose="020B0604020202020204" pitchFamily="34" charset="0"/>
+              <a:buNone/>
+              <a:defRPr sz="1800" b="1" kern="1200">
+                <a:solidFill>
+                  <a:schemeClr val="tx1"/>
+                </a:solidFill>
+                <a:latin typeface="+mn-lt"/>
+                <a:ea typeface="+mn-ea"/>
+                <a:cs typeface="+mn-cs"/>
+              </a:defRPr>
+            </a:lvl3pPr>
+            <a:lvl4pPr marL="1371600" indent="0" algn="l" defTabSz="914400" rtl="0" eaLnBrk="1" latinLnBrk="0" hangingPunct="1">
+              <a:lnSpc>
+                <a:spcPct val="90000"/>
+              </a:lnSpc>
+              <a:spcBef>
+                <a:spcPts val="500"/>
+              </a:spcBef>
+              <a:buFont typeface="Arial" panose="020B0604020202020204" pitchFamily="34" charset="0"/>
+              <a:buNone/>
+              <a:defRPr sz="1600" b="1" kern="1200">
+                <a:solidFill>
+                  <a:schemeClr val="tx1"/>
+                </a:solidFill>
+                <a:latin typeface="+mn-lt"/>
+                <a:ea typeface="+mn-ea"/>
+                <a:cs typeface="+mn-cs"/>
+              </a:defRPr>
+            </a:lvl4pPr>
+            <a:lvl5pPr marL="1828800" indent="0" algn="l" defTabSz="914400" rtl="0" eaLnBrk="1" latinLnBrk="0" hangingPunct="1">
+              <a:lnSpc>
+                <a:spcPct val="90000"/>
+              </a:lnSpc>
+              <a:spcBef>
+                <a:spcPts val="500"/>
+              </a:spcBef>
+              <a:buFont typeface="Arial" panose="020B0604020202020204" pitchFamily="34" charset="0"/>
+              <a:buNone/>
+              <a:defRPr sz="1600" b="1" kern="1200">
+                <a:solidFill>
+                  <a:schemeClr val="tx1"/>
+                </a:solidFill>
+                <a:latin typeface="+mn-lt"/>
+                <a:ea typeface="+mn-ea"/>
+                <a:cs typeface="+mn-cs"/>
+              </a:defRPr>
+            </a:lvl5pPr>
+            <a:lvl6pPr marL="2286000" indent="0" algn="l" defTabSz="914400" rtl="0" eaLnBrk="1" latinLnBrk="0" hangingPunct="1">
+              <a:lnSpc>
+                <a:spcPct val="90000"/>
+              </a:lnSpc>
+              <a:spcBef>
+                <a:spcPts val="500"/>
+              </a:spcBef>
+              <a:buFont typeface="Arial" panose="020B0604020202020204" pitchFamily="34" charset="0"/>
+              <a:buNone/>
+              <a:defRPr sz="1600" b="1" kern="1200">
+                <a:solidFill>
+                  <a:schemeClr val="tx1"/>
+                </a:solidFill>
+                <a:latin typeface="+mn-lt"/>
+                <a:ea typeface="+mn-ea"/>
+                <a:cs typeface="+mn-cs"/>
+              </a:defRPr>
+            </a:lvl6pPr>
+            <a:lvl7pPr marL="2743200" indent="0" algn="l" defTabSz="914400" rtl="0" eaLnBrk="1" latinLnBrk="0" hangingPunct="1">
+              <a:lnSpc>
+                <a:spcPct val="90000"/>
+              </a:lnSpc>
+              <a:spcBef>
+                <a:spcPts val="500"/>
+              </a:spcBef>
+              <a:buFont typeface="Arial" panose="020B0604020202020204" pitchFamily="34" charset="0"/>
+              <a:buNone/>
+              <a:defRPr sz="1600" b="1" kern="1200">
+                <a:solidFill>
+                  <a:schemeClr val="tx1"/>
+                </a:solidFill>
+                <a:latin typeface="+mn-lt"/>
+                <a:ea typeface="+mn-ea"/>
+                <a:cs typeface="+mn-cs"/>
+              </a:defRPr>
+            </a:lvl7pPr>
+            <a:lvl8pPr marL="3200400" indent="0" algn="l" defTabSz="914400" rtl="0" eaLnBrk="1" latinLnBrk="0" hangingPunct="1">
+              <a:lnSpc>
+                <a:spcPct val="90000"/>
+              </a:lnSpc>
+              <a:spcBef>
+                <a:spcPts val="500"/>
+              </a:spcBef>
+              <a:buFont typeface="Arial" panose="020B0604020202020204" pitchFamily="34" charset="0"/>
+              <a:buNone/>
+              <a:defRPr sz="1600" b="1" kern="1200">
+                <a:solidFill>
+                  <a:schemeClr val="tx1"/>
+                </a:solidFill>
+                <a:latin typeface="+mn-lt"/>
+                <a:ea typeface="+mn-ea"/>
+                <a:cs typeface="+mn-cs"/>
+              </a:defRPr>
+            </a:lvl8pPr>
+            <a:lvl9pPr marL="3657600" indent="0" algn="l" defTabSz="914400" rtl="0" eaLnBrk="1" latinLnBrk="0" hangingPunct="1">
+              <a:lnSpc>
+                <a:spcPct val="90000"/>
+              </a:lnSpc>
+              <a:spcBef>
+                <a:spcPts val="500"/>
+              </a:spcBef>
+              <a:buFont typeface="Arial" panose="020B0604020202020204" pitchFamily="34" charset="0"/>
+              <a:buNone/>
+              <a:defRPr sz="1600" b="1" kern="1200">
+                <a:solidFill>
+                  <a:schemeClr val="tx1"/>
+                </a:solidFill>
+                <a:latin typeface="+mn-lt"/>
+                <a:ea typeface="+mn-ea"/>
+                <a:cs typeface="+mn-cs"/>
+              </a:defRPr>
+            </a:lvl9pPr>
+          </a:lstStyle>
+          <a:p>
+            <a:r>
+              <a:rPr lang="en-US" dirty="0"/>
+              <a:t>truncate</a:t>
+            </a:r>
+          </a:p>
+        </p:txBody>
+      </p:sp>
+      <p:sp>
+        <p:nvSpPr>
+          <p:cNvPr id="28" name="Content Placeholder 6">
+            <a:extLst>
+              <a:ext uri="{FF2B5EF4-FFF2-40B4-BE49-F238E27FC236}">
+                <a16:creationId xmlns:a16="http://schemas.microsoft.com/office/drawing/2014/main" id="{B05DF520-B9F8-CCEF-C03E-68AE85C02842}"/>
+              </a:ext>
+            </a:extLst>
+          </p:cNvPr>
+          <p:cNvSpPr txBox="1">
+            <a:spLocks/>
+          </p:cNvSpPr>
+          <p:nvPr/>
+        </p:nvSpPr>
+        <p:spPr>
+          <a:xfrm>
+            <a:off x="8362788" y="1063118"/>
+            <a:ext cx="3734959" cy="5109370"/>
+          </a:xfrm>
+          <a:prstGeom prst="rect">
+            <a:avLst/>
+          </a:prstGeom>
+        </p:spPr>
+        <p:txBody>
+          <a:bodyPr vert="horz" lIns="91440" tIns="45720" rIns="91440" bIns="45720" rtlCol="0">
+            <a:normAutofit/>
+          </a:bodyPr>
+          <a:lstStyle>
+            <a:lvl1pPr marL="228600" indent="-228600" algn="l" defTabSz="914400" rtl="0" eaLnBrk="1" latinLnBrk="0" hangingPunct="1">
+              <a:lnSpc>
+                <a:spcPct val="90000"/>
+              </a:lnSpc>
+              <a:spcBef>
+                <a:spcPts val="1000"/>
+              </a:spcBef>
+              <a:buFont typeface="Arial" panose="020B0604020202020204" pitchFamily="34" charset="0"/>
+              <a:buChar char="•"/>
+              <a:defRPr sz="2800" kern="1200">
+                <a:solidFill>
+                  <a:schemeClr val="tx1"/>
+                </a:solidFill>
+                <a:latin typeface="+mn-lt"/>
+                <a:ea typeface="+mn-ea"/>
+                <a:cs typeface="+mn-cs"/>
+              </a:defRPr>
+            </a:lvl1pPr>
+            <a:lvl2pPr marL="685800" indent="-228600" algn="l" defTabSz="914400" rtl="0" eaLnBrk="1" latinLnBrk="0" hangingPunct="1">
+              <a:lnSpc>
+                <a:spcPct val="90000"/>
+              </a:lnSpc>
+              <a:spcBef>
+                <a:spcPts val="500"/>
+              </a:spcBef>
+              <a:buFont typeface="Arial" panose="020B0604020202020204" pitchFamily="34" charset="0"/>
+              <a:buChar char="•"/>
+              <a:defRPr sz="2400" kern="1200">
+                <a:solidFill>
+                  <a:schemeClr val="tx1"/>
+                </a:solidFill>
+                <a:latin typeface="+mn-lt"/>
+                <a:ea typeface="+mn-ea"/>
+                <a:cs typeface="+mn-cs"/>
+              </a:defRPr>
+            </a:lvl2pPr>
+            <a:lvl3pPr marL="1143000" indent="-228600" algn="l" defTabSz="914400" rtl="0" eaLnBrk="1" latinLnBrk="0" hangingPunct="1">
+              <a:lnSpc>
+                <a:spcPct val="90000"/>
+              </a:lnSpc>
+              <a:spcBef>
+                <a:spcPts val="500"/>
+              </a:spcBef>
+              <a:buFont typeface="Arial" panose="020B0604020202020204" pitchFamily="34" charset="0"/>
+              <a:buChar char="•"/>
+              <a:defRPr sz="2000" kern="1200">
+                <a:solidFill>
+                  <a:schemeClr val="tx1"/>
+                </a:solidFill>
+                <a:latin typeface="+mn-lt"/>
+                <a:ea typeface="+mn-ea"/>
+                <a:cs typeface="+mn-cs"/>
+              </a:defRPr>
+            </a:lvl3pPr>
+            <a:lvl4pPr marL="1600200" indent="-228600" algn="l" defTabSz="914400" rtl="0" eaLnBrk="1" latinLnBrk="0" hangingPunct="1">
+              <a:lnSpc>
+                <a:spcPct val="90000"/>
+              </a:lnSpc>
+              <a:spcBef>
+                <a:spcPts val="500"/>
+              </a:spcBef>
+              <a:buFont typeface="Arial" panose="020B0604020202020204" pitchFamily="34" charset="0"/>
+              <a:buChar char="•"/>
+              <a:defRPr sz="1800" kern="1200">
+                <a:solidFill>
+                  <a:schemeClr val="tx1"/>
+                </a:solidFill>
+                <a:latin typeface="+mn-lt"/>
+                <a:ea typeface="+mn-ea"/>
+                <a:cs typeface="+mn-cs"/>
+              </a:defRPr>
+            </a:lvl4pPr>
+            <a:lvl5pPr marL="2057400" indent="-228600" algn="l" defTabSz="914400" rtl="0" eaLnBrk="1" latinLnBrk="0" hangingPunct="1">
+              <a:lnSpc>
+                <a:spcPct val="90000"/>
+              </a:lnSpc>
+              <a:spcBef>
+                <a:spcPts val="500"/>
+              </a:spcBef>
+              <a:buFont typeface="Arial" panose="020B0604020202020204" pitchFamily="34" charset="0"/>
+              <a:buChar char="•"/>
+              <a:defRPr sz="1800" kern="1200">
+                <a:solidFill>
+                  <a:schemeClr val="tx1"/>
+                </a:solidFill>
+                <a:latin typeface="+mn-lt"/>
+                <a:ea typeface="+mn-ea"/>
+                <a:cs typeface="+mn-cs"/>
+              </a:defRPr>
+            </a:lvl5pPr>
+            <a:lvl6pPr marL="2514600" indent="-228600" algn="l" defTabSz="914400" rtl="0" eaLnBrk="1" latinLnBrk="0" hangingPunct="1">
+              <a:lnSpc>
+                <a:spcPct val="90000"/>
+              </a:lnSpc>
+              <a:spcBef>
+                <a:spcPts val="500"/>
+              </a:spcBef>
+              <a:buFont typeface="Arial" panose="020B0604020202020204" pitchFamily="34" charset="0"/>
+              <a:buChar char="•"/>
+              <a:defRPr sz="1800" kern="1200">
+                <a:solidFill>
+                  <a:schemeClr val="tx1"/>
+                </a:solidFill>
+                <a:latin typeface="+mn-lt"/>
+                <a:ea typeface="+mn-ea"/>
+                <a:cs typeface="+mn-cs"/>
+              </a:defRPr>
+            </a:lvl6pPr>
+            <a:lvl7pPr marL="2971800" indent="-228600" algn="l" defTabSz="914400" rtl="0" eaLnBrk="1" latinLnBrk="0" hangingPunct="1">
+              <a:lnSpc>
+                <a:spcPct val="90000"/>
+              </a:lnSpc>
+              <a:spcBef>
+                <a:spcPts val="500"/>
+              </a:spcBef>
+              <a:buFont typeface="Arial" panose="020B0604020202020204" pitchFamily="34" charset="0"/>
+              <a:buChar char="•"/>
+              <a:defRPr sz="1800" kern="1200">
+                <a:solidFill>
+                  <a:schemeClr val="tx1"/>
+                </a:solidFill>
+                <a:latin typeface="+mn-lt"/>
+                <a:ea typeface="+mn-ea"/>
+                <a:cs typeface="+mn-cs"/>
+              </a:defRPr>
+            </a:lvl7pPr>
+            <a:lvl8pPr marL="3429000" indent="-228600" algn="l" defTabSz="914400" rtl="0" eaLnBrk="1" latinLnBrk="0" hangingPunct="1">
+              <a:lnSpc>
+                <a:spcPct val="90000"/>
+              </a:lnSpc>
+              <a:spcBef>
+                <a:spcPts val="500"/>
+              </a:spcBef>
+              <a:buFont typeface="Arial" panose="020B0604020202020204" pitchFamily="34" charset="0"/>
+              <a:buChar char="•"/>
+              <a:defRPr sz="1800" kern="1200">
+                <a:solidFill>
+                  <a:schemeClr val="tx1"/>
+                </a:solidFill>
+                <a:latin typeface="+mn-lt"/>
+                <a:ea typeface="+mn-ea"/>
+                <a:cs typeface="+mn-cs"/>
+              </a:defRPr>
+            </a:lvl8pPr>
+            <a:lvl9pPr marL="3886200" indent="-228600" algn="l" defTabSz="914400" rtl="0" eaLnBrk="1" latinLnBrk="0" hangingPunct="1">
+              <a:lnSpc>
+                <a:spcPct val="90000"/>
+              </a:lnSpc>
+              <a:spcBef>
+                <a:spcPts val="500"/>
+              </a:spcBef>
+              <a:buFont typeface="Arial" panose="020B0604020202020204" pitchFamily="34" charset="0"/>
+              <a:buChar char="•"/>
+              <a:defRPr sz="1800" kern="1200">
+                <a:solidFill>
+                  <a:schemeClr val="tx1"/>
+                </a:solidFill>
+                <a:latin typeface="+mn-lt"/>
+                <a:ea typeface="+mn-ea"/>
+                <a:cs typeface="+mn-cs"/>
+              </a:defRPr>
+            </a:lvl9pPr>
+          </a:lstStyle>
           <a:p>
             <a:pPr algn="r" rtl="1"/>
+            <a:endParaRPr lang="ar-EG" dirty="0"/>
+          </a:p>
+        </p:txBody>
+      </p:sp>
+      <p:sp>
+        <p:nvSpPr>
+          <p:cNvPr id="29" name="Content Placeholder 6">
+            <a:extLst>
+              <a:ext uri="{FF2B5EF4-FFF2-40B4-BE49-F238E27FC236}">
+                <a16:creationId xmlns:a16="http://schemas.microsoft.com/office/drawing/2014/main" id="{96BA0A02-7450-35C3-ABEF-B7E190BF7A1A}"/>
+              </a:ext>
+            </a:extLst>
+          </p:cNvPr>
+          <p:cNvSpPr txBox="1">
+            <a:spLocks/>
+          </p:cNvSpPr>
+          <p:nvPr/>
+        </p:nvSpPr>
+        <p:spPr>
+          <a:xfrm>
+            <a:off x="8227292" y="1119863"/>
+            <a:ext cx="3734959" cy="5109370"/>
+          </a:xfrm>
+          <a:prstGeom prst="rect">
+            <a:avLst/>
+          </a:prstGeom>
+        </p:spPr>
+        <p:txBody>
+          <a:bodyPr vert="horz" lIns="91440" tIns="45720" rIns="91440" bIns="45720" rtlCol="0">
+            <a:normAutofit/>
+          </a:bodyPr>
+          <a:lstStyle>
+            <a:lvl1pPr marL="228600" indent="-228600" algn="l" defTabSz="914400" rtl="0" eaLnBrk="1" latinLnBrk="0" hangingPunct="1">
+              <a:lnSpc>
+                <a:spcPct val="90000"/>
+              </a:lnSpc>
+              <a:spcBef>
+                <a:spcPts val="1000"/>
+              </a:spcBef>
+              <a:buFont typeface="Arial" panose="020B0604020202020204" pitchFamily="34" charset="0"/>
+              <a:buChar char="•"/>
+              <a:defRPr sz="2800" kern="1200">
+                <a:solidFill>
+                  <a:schemeClr val="tx1"/>
+                </a:solidFill>
+                <a:latin typeface="+mn-lt"/>
+                <a:ea typeface="+mn-ea"/>
+                <a:cs typeface="+mn-cs"/>
+              </a:defRPr>
+            </a:lvl1pPr>
+            <a:lvl2pPr marL="685800" indent="-228600" algn="l" defTabSz="914400" rtl="0" eaLnBrk="1" latinLnBrk="0" hangingPunct="1">
+              <a:lnSpc>
+                <a:spcPct val="90000"/>
+              </a:lnSpc>
+              <a:spcBef>
+                <a:spcPts val="500"/>
+              </a:spcBef>
+              <a:buFont typeface="Arial" panose="020B0604020202020204" pitchFamily="34" charset="0"/>
+              <a:buChar char="•"/>
+              <a:defRPr sz="2400" kern="1200">
+                <a:solidFill>
+                  <a:schemeClr val="tx1"/>
+                </a:solidFill>
+                <a:latin typeface="+mn-lt"/>
+                <a:ea typeface="+mn-ea"/>
+                <a:cs typeface="+mn-cs"/>
+              </a:defRPr>
+            </a:lvl2pPr>
+            <a:lvl3pPr marL="1143000" indent="-228600" algn="l" defTabSz="914400" rtl="0" eaLnBrk="1" latinLnBrk="0" hangingPunct="1">
+              <a:lnSpc>
+                <a:spcPct val="90000"/>
+              </a:lnSpc>
+              <a:spcBef>
+                <a:spcPts val="500"/>
+              </a:spcBef>
+              <a:buFont typeface="Arial" panose="020B0604020202020204" pitchFamily="34" charset="0"/>
+              <a:buChar char="•"/>
+              <a:defRPr sz="2000" kern="1200">
+                <a:solidFill>
+                  <a:schemeClr val="tx1"/>
+                </a:solidFill>
+                <a:latin typeface="+mn-lt"/>
+                <a:ea typeface="+mn-ea"/>
+                <a:cs typeface="+mn-cs"/>
+              </a:defRPr>
+            </a:lvl3pPr>
+            <a:lvl4pPr marL="1600200" indent="-228600" algn="l" defTabSz="914400" rtl="0" eaLnBrk="1" latinLnBrk="0" hangingPunct="1">
+              <a:lnSpc>
+                <a:spcPct val="90000"/>
+              </a:lnSpc>
+              <a:spcBef>
+                <a:spcPts val="500"/>
+              </a:spcBef>
+              <a:buFont typeface="Arial" panose="020B0604020202020204" pitchFamily="34" charset="0"/>
+              <a:buChar char="•"/>
+              <a:defRPr sz="1800" kern="1200">
+                <a:solidFill>
+                  <a:schemeClr val="tx1"/>
+                </a:solidFill>
+                <a:latin typeface="+mn-lt"/>
+                <a:ea typeface="+mn-ea"/>
+                <a:cs typeface="+mn-cs"/>
+              </a:defRPr>
+            </a:lvl4pPr>
+            <a:lvl5pPr marL="2057400" indent="-228600" algn="l" defTabSz="914400" rtl="0" eaLnBrk="1" latinLnBrk="0" hangingPunct="1">
+              <a:lnSpc>
+                <a:spcPct val="90000"/>
+              </a:lnSpc>
+              <a:spcBef>
+                <a:spcPts val="500"/>
+              </a:spcBef>
+              <a:buFont typeface="Arial" panose="020B0604020202020204" pitchFamily="34" charset="0"/>
+              <a:buChar char="•"/>
+              <a:defRPr sz="1800" kern="1200">
+                <a:solidFill>
+                  <a:schemeClr val="tx1"/>
+                </a:solidFill>
+                <a:latin typeface="+mn-lt"/>
+                <a:ea typeface="+mn-ea"/>
+                <a:cs typeface="+mn-cs"/>
+              </a:defRPr>
+            </a:lvl5pPr>
+            <a:lvl6pPr marL="2514600" indent="-228600" algn="l" defTabSz="914400" rtl="0" eaLnBrk="1" latinLnBrk="0" hangingPunct="1">
+              <a:lnSpc>
+                <a:spcPct val="90000"/>
+              </a:lnSpc>
+              <a:spcBef>
+                <a:spcPts val="500"/>
+              </a:spcBef>
+              <a:buFont typeface="Arial" panose="020B0604020202020204" pitchFamily="34" charset="0"/>
+              <a:buChar char="•"/>
+              <a:defRPr sz="1800" kern="1200">
+                <a:solidFill>
+                  <a:schemeClr val="tx1"/>
+                </a:solidFill>
+                <a:latin typeface="+mn-lt"/>
+                <a:ea typeface="+mn-ea"/>
+                <a:cs typeface="+mn-cs"/>
+              </a:defRPr>
+            </a:lvl6pPr>
+            <a:lvl7pPr marL="2971800" indent="-228600" algn="l" defTabSz="914400" rtl="0" eaLnBrk="1" latinLnBrk="0" hangingPunct="1">
+              <a:lnSpc>
+                <a:spcPct val="90000"/>
+              </a:lnSpc>
+              <a:spcBef>
+                <a:spcPts val="500"/>
+              </a:spcBef>
+              <a:buFont typeface="Arial" panose="020B0604020202020204" pitchFamily="34" charset="0"/>
+              <a:buChar char="•"/>
+              <a:defRPr sz="1800" kern="1200">
+                <a:solidFill>
+                  <a:schemeClr val="tx1"/>
+                </a:solidFill>
+                <a:latin typeface="+mn-lt"/>
+                <a:ea typeface="+mn-ea"/>
+                <a:cs typeface="+mn-cs"/>
+              </a:defRPr>
+            </a:lvl7pPr>
+            <a:lvl8pPr marL="3429000" indent="-228600" algn="l" defTabSz="914400" rtl="0" eaLnBrk="1" latinLnBrk="0" hangingPunct="1">
+              <a:lnSpc>
+                <a:spcPct val="90000"/>
+              </a:lnSpc>
+              <a:spcBef>
+                <a:spcPts val="500"/>
+              </a:spcBef>
+              <a:buFont typeface="Arial" panose="020B0604020202020204" pitchFamily="34" charset="0"/>
+              <a:buChar char="•"/>
+              <a:defRPr sz="1800" kern="1200">
+                <a:solidFill>
+                  <a:schemeClr val="tx1"/>
+                </a:solidFill>
+                <a:latin typeface="+mn-lt"/>
+                <a:ea typeface="+mn-ea"/>
+                <a:cs typeface="+mn-cs"/>
+              </a:defRPr>
+            </a:lvl8pPr>
+            <a:lvl9pPr marL="3886200" indent="-228600" algn="l" defTabSz="914400" rtl="0" eaLnBrk="1" latinLnBrk="0" hangingPunct="1">
+              <a:lnSpc>
+                <a:spcPct val="90000"/>
+              </a:lnSpc>
+              <a:spcBef>
+                <a:spcPts val="500"/>
+              </a:spcBef>
+              <a:buFont typeface="Arial" panose="020B0604020202020204" pitchFamily="34" charset="0"/>
+              <a:buChar char="•"/>
+              <a:defRPr sz="1800" kern="1200">
+                <a:solidFill>
+                  <a:schemeClr val="tx1"/>
+                </a:solidFill>
+                <a:latin typeface="+mn-lt"/>
+                <a:ea typeface="+mn-ea"/>
+                <a:cs typeface="+mn-cs"/>
+              </a:defRPr>
+            </a:lvl9pPr>
+          </a:lstStyle>
+          <a:p>
+            <a:pPr algn="r" rtl="1"/>
             <a:r>
               <a:rPr lang="ar-EG" dirty="0"/>
-              <a:t>في </a:t>
+              <a:t>هو امر </a:t>
             </a:r>
             <a:r>
               <a:rPr lang="ar-EG" dirty="0" err="1"/>
-              <a:t>العاده</a:t>
+              <a:t>بيستخدم</a:t>
             </a:r>
             <a:r>
               <a:rPr lang="ar-EG" dirty="0"/>
-              <a:t> </a:t>
+              <a:t> مع الجداول </a:t>
             </a:r>
             <a:r>
               <a:rPr lang="ar-EG" dirty="0" err="1"/>
-              <a:t>بتحصل</a:t>
+              <a:t>وبيحذف</a:t>
             </a:r>
             <a:r>
               <a:rPr lang="ar-EG" dirty="0"/>
-              <a:t> بعد عملية </a:t>
-            </a:r>
-            <a:r>
-              <a:rPr lang="en-US" sz="1800" dirty="0"/>
-              <a:t>authentication</a:t>
-            </a:r>
-            <a:endParaRPr lang="ar-EG" dirty="0"/>
-          </a:p>
-          <a:p>
-            <a:pPr algn="r" rtl="1"/>
+              <a:t> محتويات الجدول كامل بس </a:t>
+            </a:r>
+            <a:r>
+              <a:rPr lang="ar-EG" dirty="0" err="1"/>
+              <a:t>بيسيب</a:t>
+            </a:r>
             <a:r>
               <a:rPr lang="ar-EG" dirty="0"/>
-              <a:t>هنا في </a:t>
+              <a:t> البنيه </a:t>
             </a:r>
             <a:r>
               <a:rPr lang="ar-EG" dirty="0" err="1"/>
-              <a:t>العاده</a:t>
+              <a:t>بتاعته</a:t>
             </a:r>
             <a:r>
               <a:rPr lang="ar-EG" dirty="0"/>
-              <a:t> </a:t>
-            </a:r>
-            <a:r>
-              <a:rPr lang="ar-EG" dirty="0" err="1"/>
-              <a:t>بحتاج</a:t>
-            </a:r>
-            <a:r>
-              <a:rPr lang="ar-EG" dirty="0"/>
-              <a:t> </a:t>
-            </a:r>
-            <a:r>
-              <a:rPr lang="ar-EG" dirty="0" err="1"/>
-              <a:t>الإمتيازات</a:t>
-            </a:r>
-            <a:r>
-              <a:rPr lang="ar-EG" dirty="0"/>
-              <a:t> او الحاجات اللي ممكن المستخدم يوصل ليها</a:t>
-            </a:r>
-          </a:p>
-          <a:p>
-            <a:pPr algn="r" rtl="1"/>
-            <a:r>
-              <a:rPr lang="ar-EG" dirty="0" err="1"/>
-              <a:t>مقدرش</a:t>
-            </a:r>
-            <a:r>
-              <a:rPr lang="ar-EG" dirty="0"/>
-              <a:t> اغير في الصلاحيات </a:t>
-            </a:r>
-            <a:r>
-              <a:rPr lang="ar-EG" dirty="0" err="1"/>
-              <a:t>بتاعتي</a:t>
-            </a:r>
-            <a:r>
-              <a:rPr lang="ar-EG" dirty="0"/>
-              <a:t> كيوزر لازم صاحب النظام هو اللي يحدد الصلاحيات </a:t>
-            </a:r>
-            <a:r>
-              <a:rPr lang="ar-EG" dirty="0" err="1"/>
-              <a:t>بتاعتي</a:t>
-            </a:r>
-            <a:r>
-              <a:rPr lang="ar-EG" dirty="0"/>
-              <a:t> أو اخترق النظام واخد كل الصلاحيات ☠</a:t>
-            </a:r>
-          </a:p>
-          <a:p>
-            <a:pPr algn="r" rtl="1"/>
-            <a:r>
-              <a:rPr lang="ar-EG" dirty="0" err="1"/>
-              <a:t>معرفش</a:t>
-            </a:r>
-            <a:r>
-              <a:rPr lang="ar-EG" dirty="0"/>
-              <a:t> اشوف </a:t>
-            </a:r>
-            <a:r>
-              <a:rPr lang="ar-EG" dirty="0" err="1"/>
-              <a:t>العمليه</a:t>
-            </a:r>
-            <a:r>
-              <a:rPr lang="ar-EG" dirty="0"/>
-              <a:t> دي بحيث انها بتكون خاصه بصاحب النظام فقط</a:t>
-            </a:r>
-          </a:p>
-          <a:p>
-            <a:pPr algn="r" rtl="1"/>
-            <a:r>
-              <a:rPr lang="ar-EG" dirty="0" err="1"/>
-              <a:t>نيجي</a:t>
-            </a:r>
-            <a:r>
-              <a:rPr lang="ar-EG" dirty="0"/>
-              <a:t> للمثال بقاا:</a:t>
-            </a:r>
-            <a:br>
-              <a:rPr lang="ar-EG" dirty="0"/>
-            </a:br>
-            <a:r>
-              <a:rPr lang="ar-EG" dirty="0"/>
-              <a:t>بعد </a:t>
-            </a:r>
-            <a:r>
-              <a:rPr lang="ar-EG" dirty="0" err="1"/>
-              <a:t>مالموظفين</a:t>
-            </a:r>
-            <a:r>
-              <a:rPr lang="ar-EG" dirty="0"/>
-              <a:t> اللي فاتو دول عملوا عملية </a:t>
-            </a:r>
-            <a:r>
-              <a:rPr lang="ar-EG" dirty="0" err="1"/>
-              <a:t>المصادقه</a:t>
-            </a:r>
-            <a:r>
-              <a:rPr lang="ar-EG" dirty="0"/>
-              <a:t> </a:t>
-            </a:r>
-            <a:r>
-              <a:rPr lang="ar-EG" dirty="0" err="1"/>
-              <a:t>بيحدد</a:t>
-            </a:r>
-            <a:r>
-              <a:rPr lang="ar-EG" dirty="0"/>
-              <a:t> النظام ايه المعلومات اللي المفروض تظهر لكل موظف واي موظف ممكن يعدل عليها ومين لا وهكذا</a:t>
+              <a:t> بمعني ممكن اضيف في الجدول بيانات جديدة</a:t>
             </a:r>
           </a:p>
         </p:txBody>
@@ -3999,13 +4370,13 @@
   <p:clrMapOvr>
     <a:masterClrMapping/>
   </p:clrMapOvr>
-  <mc:AlternateContent xmlns:mc="http://schemas.openxmlformats.org/markup-compatibility/2006">
-    <mc:Choice xmlns:p14="http://schemas.microsoft.com/office/powerpoint/2010/main" Requires="p14">
+  <mc:AlternateContent xmlns:mc="http://schemas.openxmlformats.org/markup-compatibility/2006" xmlns:p14="http://schemas.microsoft.com/office/powerpoint/2010/main">
+    <mc:Choice Requires="p14">
       <p:transition spd="slow" p14:dur="1500">
         <p:random/>
       </p:transition>
     </mc:Choice>
-    <mc:Fallback>
+    <mc:Fallback xmlns="">
       <p:transition spd="slow">
         <p:random/>
       </p:transition>
@@ -4069,13 +4440,13 @@
   <p:clrMapOvr>
     <a:masterClrMapping/>
   </p:clrMapOvr>
-  <mc:AlternateContent xmlns:mc="http://schemas.openxmlformats.org/markup-compatibility/2006">
-    <mc:Choice xmlns:p14="http://schemas.microsoft.com/office/powerpoint/2010/main" Requires="p14">
+  <mc:AlternateContent xmlns:mc="http://schemas.openxmlformats.org/markup-compatibility/2006" xmlns:p14="http://schemas.microsoft.com/office/powerpoint/2010/main">
+    <mc:Choice Requires="p14">
       <p:transition spd="slow" p14:dur="1500">
         <p:random/>
       </p:transition>
     </mc:Choice>
-    <mc:Fallback>
+    <mc:Fallback xmlns="">
       <p:transition spd="slow">
         <p:random/>
       </p:transition>
